--- a/Py B - unit 1b.pptx
+++ b/Py B - unit 1b.pptx
@@ -9,6 +9,7 @@
     <p:sldId id="285" r:id="rId3"/>
     <p:sldId id="298" r:id="rId4"/>
     <p:sldId id="299" r:id="rId5"/>
+    <p:sldId id="300" r:id="rId6"/>
   </p:sldIdLst>
   <p:sldSz cx="12192000" cy="6858000"/>
   <p:notesSz cx="6858000" cy="9144000"/>
@@ -767,8 +768,8 @@
   </pc:docChgLst>
   <pc:docChgLst>
     <pc:chgData name="Li Lixiang" userId="6104bbfcb56aea79" providerId="LiveId" clId="{036A2115-1E82-49A1-B35B-B3F2C5BCA084}"/>
-    <pc:docChg chg="modSld">
-      <pc:chgData name="Li Lixiang" userId="6104bbfcb56aea79" providerId="LiveId" clId="{036A2115-1E82-49A1-B35B-B3F2C5BCA084}" dt="2023-04-25T08:08:10.559" v="1" actId="20577"/>
+    <pc:docChg chg="undo custSel addSld modSld">
+      <pc:chgData name="Li Lixiang" userId="6104bbfcb56aea79" providerId="LiveId" clId="{036A2115-1E82-49A1-B35B-B3F2C5BCA084}" dt="2023-04-26T04:29:47.991" v="119" actId="1076"/>
       <pc:docMkLst>
         <pc:docMk/>
       </pc:docMkLst>
@@ -786,6 +787,60 @@
             <ac:spMk id="4" creationId="{8DE6899A-D842-4C9E-ADC1-B0C1377122EA}"/>
           </ac:spMkLst>
         </pc:spChg>
+      </pc:sldChg>
+      <pc:sldChg chg="modSp mod">
+        <pc:chgData name="Li Lixiang" userId="6104bbfcb56aea79" providerId="LiveId" clId="{036A2115-1E82-49A1-B35B-B3F2C5BCA084}" dt="2023-04-26T04:27:16.123" v="23" actId="6549"/>
+        <pc:sldMkLst>
+          <pc:docMk/>
+          <pc:sldMk cId="2824341199" sldId="298"/>
+        </pc:sldMkLst>
+        <pc:spChg chg="mod">
+          <ac:chgData name="Li Lixiang" userId="6104bbfcb56aea79" providerId="LiveId" clId="{036A2115-1E82-49A1-B35B-B3F2C5BCA084}" dt="2023-04-26T04:27:16.123" v="23" actId="6549"/>
+          <ac:spMkLst>
+            <pc:docMk/>
+            <pc:sldMk cId="2824341199" sldId="298"/>
+            <ac:spMk id="3" creationId="{5CD83505-7AD6-4AEE-9203-B1FC51E2A582}"/>
+          </ac:spMkLst>
+        </pc:spChg>
+      </pc:sldChg>
+      <pc:sldChg chg="addSp delSp modSp new mod">
+        <pc:chgData name="Li Lixiang" userId="6104bbfcb56aea79" providerId="LiveId" clId="{036A2115-1E82-49A1-B35B-B3F2C5BCA084}" dt="2023-04-26T04:29:47.991" v="119" actId="1076"/>
+        <pc:sldMkLst>
+          <pc:docMk/>
+          <pc:sldMk cId="2022036117" sldId="300"/>
+        </pc:sldMkLst>
+        <pc:spChg chg="mod">
+          <ac:chgData name="Li Lixiang" userId="6104bbfcb56aea79" providerId="LiveId" clId="{036A2115-1E82-49A1-B35B-B3F2C5BCA084}" dt="2023-04-26T04:27:58.603" v="45" actId="20577"/>
+          <ac:spMkLst>
+            <pc:docMk/>
+            <pc:sldMk cId="2022036117" sldId="300"/>
+            <ac:spMk id="2" creationId="{38DE334D-BB9A-8A9E-DA88-2E5776E5F23A}"/>
+          </ac:spMkLst>
+        </pc:spChg>
+        <pc:spChg chg="mod">
+          <ac:chgData name="Li Lixiang" userId="6104bbfcb56aea79" providerId="LiveId" clId="{036A2115-1E82-49A1-B35B-B3F2C5BCA084}" dt="2023-04-26T04:28:29.313" v="114" actId="20577"/>
+          <ac:spMkLst>
+            <pc:docMk/>
+            <pc:sldMk cId="2022036117" sldId="300"/>
+            <ac:spMk id="3" creationId="{88DCC2D6-0F45-D31D-EFFB-0CDCC0BB014C}"/>
+          </ac:spMkLst>
+        </pc:spChg>
+        <pc:picChg chg="add del">
+          <ac:chgData name="Li Lixiang" userId="6104bbfcb56aea79" providerId="LiveId" clId="{036A2115-1E82-49A1-B35B-B3F2C5BCA084}" dt="2023-04-26T04:29:43.908" v="116" actId="22"/>
+          <ac:picMkLst>
+            <pc:docMk/>
+            <pc:sldMk cId="2022036117" sldId="300"/>
+            <ac:picMk id="5" creationId="{B731A0AC-EF9F-F3E3-A517-446AD058B254}"/>
+          </ac:picMkLst>
+        </pc:picChg>
+        <pc:picChg chg="add mod">
+          <ac:chgData name="Li Lixiang" userId="6104bbfcb56aea79" providerId="LiveId" clId="{036A2115-1E82-49A1-B35B-B3F2C5BCA084}" dt="2023-04-26T04:29:47.991" v="119" actId="1076"/>
+          <ac:picMkLst>
+            <pc:docMk/>
+            <pc:sldMk cId="2022036117" sldId="300"/>
+            <ac:picMk id="7" creationId="{612F0598-C1E8-DE7A-F030-C7FB875474A0}"/>
+          </ac:picMkLst>
+        </pc:picChg>
       </pc:sldChg>
     </pc:docChg>
   </pc:docChgLst>
@@ -2200,7 +2255,7 @@
             <a:fld id="{B61BEF0D-F0BB-DE4B-95CE-6DB70DBA9567}" type="datetimeFigureOut">
               <a:rPr lang="en-US" dirty="0"/>
               <a:pPr/>
-              <a:t>4/25/2023</a:t>
+              <a:t>4/26/2023</a:t>
             </a:fld>
             <a:endParaRPr lang="en-US" dirty="0"/>
           </a:p>
@@ -2531,7 +2586,7 @@
             <a:fld id="{B61BEF0D-F0BB-DE4B-95CE-6DB70DBA9567}" type="datetimeFigureOut">
               <a:rPr lang="en-US" dirty="0"/>
               <a:pPr/>
-              <a:t>4/25/2023</a:t>
+              <a:t>4/26/2023</a:t>
             </a:fld>
             <a:endParaRPr lang="en-US" dirty="0"/>
           </a:p>
@@ -2806,7 +2861,7 @@
             <a:fld id="{B61BEF0D-F0BB-DE4B-95CE-6DB70DBA9567}" type="datetimeFigureOut">
               <a:rPr lang="en-US" dirty="0"/>
               <a:pPr/>
-              <a:t>4/25/2023</a:t>
+              <a:t>4/26/2023</a:t>
             </a:fld>
             <a:endParaRPr lang="en-US" dirty="0"/>
           </a:p>
@@ -3371,7 +3426,7 @@
             <a:fld id="{B61BEF0D-F0BB-DE4B-95CE-6DB70DBA9567}" type="datetimeFigureOut">
               <a:rPr lang="en-US" dirty="0"/>
               <a:pPr/>
-              <a:t>4/25/2023</a:t>
+              <a:t>4/26/2023</a:t>
             </a:fld>
             <a:endParaRPr lang="en-US" dirty="0"/>
           </a:p>
@@ -3646,7 +3701,7 @@
             <a:fld id="{B61BEF0D-F0BB-DE4B-95CE-6DB70DBA9567}" type="datetimeFigureOut">
               <a:rPr lang="en-US" dirty="0"/>
               <a:pPr/>
-              <a:t>4/25/2023</a:t>
+              <a:t>4/26/2023</a:t>
             </a:fld>
             <a:endParaRPr lang="en-US" dirty="0"/>
           </a:p>
@@ -4205,7 +4260,7 @@
             <a:fld id="{B61BEF0D-F0BB-DE4B-95CE-6DB70DBA9567}" type="datetimeFigureOut">
               <a:rPr lang="en-US" dirty="0"/>
               <a:pPr/>
-              <a:t>4/25/2023</a:t>
+              <a:t>4/26/2023</a:t>
             </a:fld>
             <a:endParaRPr lang="en-US" dirty="0"/>
           </a:p>
@@ -4529,7 +4584,7 @@
             <a:fld id="{B61BEF0D-F0BB-DE4B-95CE-6DB70DBA9567}" type="datetimeFigureOut">
               <a:rPr lang="en-US" dirty="0"/>
               <a:pPr/>
-              <a:t>4/25/2023</a:t>
+              <a:t>4/26/2023</a:t>
             </a:fld>
             <a:endParaRPr lang="en-US" dirty="0"/>
           </a:p>
@@ -4703,7 +4758,7 @@
             <a:fld id="{B61BEF0D-F0BB-DE4B-95CE-6DB70DBA9567}" type="datetimeFigureOut">
               <a:rPr lang="en-US" dirty="0"/>
               <a:pPr/>
-              <a:t>4/25/2023</a:t>
+              <a:t>4/26/2023</a:t>
             </a:fld>
             <a:endParaRPr lang="en-US" dirty="0"/>
           </a:p>
@@ -4938,7 +4993,7 @@
             <a:fld id="{B61BEF0D-F0BB-DE4B-95CE-6DB70DBA9567}" type="datetimeFigureOut">
               <a:rPr lang="en-US" dirty="0"/>
               <a:pPr/>
-              <a:t>4/25/2023</a:t>
+              <a:t>4/26/2023</a:t>
             </a:fld>
             <a:endParaRPr lang="en-US" dirty="0"/>
           </a:p>
@@ -5135,7 +5190,7 @@
             <a:fld id="{B61BEF0D-F0BB-DE4B-95CE-6DB70DBA9567}" type="datetimeFigureOut">
               <a:rPr lang="en-US" dirty="0"/>
               <a:pPr/>
-              <a:t>4/25/2023</a:t>
+              <a:t>4/26/2023</a:t>
             </a:fld>
             <a:endParaRPr lang="en-US" dirty="0"/>
           </a:p>
@@ -5408,7 +5463,7 @@
             <a:fld id="{B61BEF0D-F0BB-DE4B-95CE-6DB70DBA9567}" type="datetimeFigureOut">
               <a:rPr lang="en-US" dirty="0"/>
               <a:pPr/>
-              <a:t>4/25/2023</a:t>
+              <a:t>4/26/2023</a:t>
             </a:fld>
             <a:endParaRPr lang="en-US" dirty="0"/>
           </a:p>
@@ -5671,7 +5726,7 @@
             <a:fld id="{B61BEF0D-F0BB-DE4B-95CE-6DB70DBA9567}" type="datetimeFigureOut">
               <a:rPr lang="en-US" dirty="0"/>
               <a:pPr/>
-              <a:t>4/25/2023</a:t>
+              <a:t>4/26/2023</a:t>
             </a:fld>
             <a:endParaRPr lang="en-US" dirty="0"/>
           </a:p>
@@ -6042,7 +6097,7 @@
             <a:fld id="{B61BEF0D-F0BB-DE4B-95CE-6DB70DBA9567}" type="datetimeFigureOut">
               <a:rPr lang="en-US" dirty="0"/>
               <a:pPr/>
-              <a:t>4/25/2023</a:t>
+              <a:t>4/26/2023</a:t>
             </a:fld>
             <a:endParaRPr lang="en-US" dirty="0"/>
           </a:p>
@@ -6187,7 +6242,7 @@
             <a:fld id="{B61BEF0D-F0BB-DE4B-95CE-6DB70DBA9567}" type="datetimeFigureOut">
               <a:rPr lang="en-US" dirty="0"/>
               <a:pPr/>
-              <a:t>4/25/2023</a:t>
+              <a:t>4/26/2023</a:t>
             </a:fld>
             <a:endParaRPr lang="en-US" dirty="0"/>
           </a:p>
@@ -6309,7 +6364,7 @@
             <a:fld id="{B61BEF0D-F0BB-DE4B-95CE-6DB70DBA9567}" type="datetimeFigureOut">
               <a:rPr lang="en-US" dirty="0"/>
               <a:pPr/>
-              <a:t>4/25/2023</a:t>
+              <a:t>4/26/2023</a:t>
             </a:fld>
             <a:endParaRPr lang="en-US" dirty="0"/>
           </a:p>
@@ -6591,7 +6646,7 @@
             <a:fld id="{B61BEF0D-F0BB-DE4B-95CE-6DB70DBA9567}" type="datetimeFigureOut">
               <a:rPr lang="en-US" dirty="0"/>
               <a:pPr/>
-              <a:t>4/25/2023</a:t>
+              <a:t>4/26/2023</a:t>
             </a:fld>
             <a:endParaRPr lang="en-US" dirty="0"/>
           </a:p>
@@ -6912,7 +6967,7 @@
             <a:fld id="{B61BEF0D-F0BB-DE4B-95CE-6DB70DBA9567}" type="datetimeFigureOut">
               <a:rPr lang="en-US" dirty="0"/>
               <a:pPr/>
-              <a:t>4/25/2023</a:t>
+              <a:t>4/26/2023</a:t>
             </a:fld>
             <a:endParaRPr lang="en-US" dirty="0"/>
           </a:p>
@@ -7123,7 +7178,7 @@
             <a:fld id="{B61BEF0D-F0BB-DE4B-95CE-6DB70DBA9567}" type="datetimeFigureOut">
               <a:rPr lang="en-US" dirty="0"/>
               <a:pPr/>
-              <a:t>4/25/2023</a:t>
+              <a:t>4/26/2023</a:t>
             </a:fld>
             <a:endParaRPr lang="en-US" dirty="0"/>
           </a:p>
@@ -7968,7 +8023,7 @@
             <a:pPr lvl="1"/>
             <a:r>
               <a:rPr lang="en-US" dirty="0"/>
-              <a:t>‘==’ not necessarily means the two things are same. It only mean the two value are equal</a:t>
+              <a:t>‘==’ not necessarily means the two things are same. It only mean the two value evaluated to be equal</a:t>
             </a:r>
           </a:p>
           <a:p>
@@ -8147,6 +8202,124 @@
     <p:extLst>
       <p:ext uri="{BB962C8B-B14F-4D97-AF65-F5344CB8AC3E}">
         <p14:creationId xmlns:p14="http://schemas.microsoft.com/office/powerpoint/2010/main" val="4052772275"/>
+      </p:ext>
+    </p:extLst>
+  </p:cSld>
+  <p:clrMapOvr>
+    <a:masterClrMapping/>
+  </p:clrMapOvr>
+</p:sld>
+</file>
+
+<file path=ppt/slides/slide5.xml><?xml version="1.0" encoding="utf-8"?>
+<p:sld xmlns:a="http://schemas.openxmlformats.org/drawingml/2006/main" xmlns:r="http://schemas.openxmlformats.org/officeDocument/2006/relationships" xmlns:p="http://schemas.openxmlformats.org/presentationml/2006/main">
+  <p:cSld>
+    <p:spTree>
+      <p:nvGrpSpPr>
+        <p:cNvPr id="1" name=""/>
+        <p:cNvGrpSpPr/>
+        <p:nvPr/>
+      </p:nvGrpSpPr>
+      <p:grpSpPr>
+        <a:xfrm>
+          <a:off x="0" y="0"/>
+          <a:ext cx="0" cy="0"/>
+          <a:chOff x="0" y="0"/>
+          <a:chExt cx="0" cy="0"/>
+        </a:xfrm>
+      </p:grpSpPr>
+      <p:sp>
+        <p:nvSpPr>
+          <p:cNvPr id="2" name="Title 1">
+            <a:extLst>
+              <a:ext uri="{FF2B5EF4-FFF2-40B4-BE49-F238E27FC236}">
+                <a16:creationId xmlns:a16="http://schemas.microsoft.com/office/drawing/2014/main" id="{38DE334D-BB9A-8A9E-DA88-2E5776E5F23A}"/>
+              </a:ext>
+            </a:extLst>
+          </p:cNvPr>
+          <p:cNvSpPr>
+            <a:spLocks noGrp="1"/>
+          </p:cNvSpPr>
+          <p:nvPr>
+            <p:ph type="title"/>
+          </p:nvPr>
+        </p:nvSpPr>
+        <p:spPr/>
+        <p:txBody>
+          <a:bodyPr/>
+          <a:lstStyle/>
+          <a:p>
+            <a:r>
+              <a:rPr lang="en-US" dirty="0"/>
+              <a:t>Use is to check type</a:t>
+            </a:r>
+            <a:endParaRPr lang="en-MY" dirty="0"/>
+          </a:p>
+        </p:txBody>
+      </p:sp>
+      <p:sp>
+        <p:nvSpPr>
+          <p:cNvPr id="3" name="Content Placeholder 2">
+            <a:extLst>
+              <a:ext uri="{FF2B5EF4-FFF2-40B4-BE49-F238E27FC236}">
+                <a16:creationId xmlns:a16="http://schemas.microsoft.com/office/drawing/2014/main" id="{88DCC2D6-0F45-D31D-EFFB-0CDCC0BB014C}"/>
+              </a:ext>
+            </a:extLst>
+          </p:cNvPr>
+          <p:cNvSpPr>
+            <a:spLocks noGrp="1"/>
+          </p:cNvSpPr>
+          <p:nvPr>
+            <p:ph idx="1"/>
+          </p:nvPr>
+        </p:nvSpPr>
+        <p:spPr/>
+        <p:txBody>
+          <a:bodyPr anchor="t"/>
+          <a:lstStyle/>
+          <a:p>
+            <a:r>
+              <a:rPr lang="en-US" dirty="0"/>
+              <a:t>Can use is operator to check type (this is to check the exact type)</a:t>
+            </a:r>
+            <a:endParaRPr lang="en-MY" dirty="0"/>
+          </a:p>
+        </p:txBody>
+      </p:sp>
+      <p:pic>
+        <p:nvPicPr>
+          <p:cNvPr id="7" name="Picture 6">
+            <a:extLst>
+              <a:ext uri="{FF2B5EF4-FFF2-40B4-BE49-F238E27FC236}">
+                <a16:creationId xmlns:a16="http://schemas.microsoft.com/office/drawing/2014/main" id="{612F0598-C1E8-DE7A-F030-C7FB875474A0}"/>
+              </a:ext>
+            </a:extLst>
+          </p:cNvPr>
+          <p:cNvPicPr>
+            <a:picLocks noChangeAspect="1"/>
+          </p:cNvPicPr>
+          <p:nvPr/>
+        </p:nvPicPr>
+        <p:blipFill>
+          <a:blip r:embed="rId2"/>
+          <a:stretch>
+            <a:fillRect/>
+          </a:stretch>
+        </p:blipFill>
+        <p:spPr>
+          <a:xfrm>
+            <a:off x="8163472" y="2372002"/>
+            <a:ext cx="1762371" cy="2572109"/>
+          </a:xfrm>
+          <a:prstGeom prst="rect">
+            <a:avLst/>
+          </a:prstGeom>
+        </p:spPr>
+      </p:pic>
+    </p:spTree>
+    <p:extLst>
+      <p:ext uri="{BB962C8B-B14F-4D97-AF65-F5344CB8AC3E}">
+        <p14:creationId xmlns:p14="http://schemas.microsoft.com/office/powerpoint/2010/main" val="2022036117"/>
       </p:ext>
     </p:extLst>
   </p:cSld>
